--- a/Slides/On-Campus/14_Java_vs_python.pptx
+++ b/Slides/On-Campus/14_Java_vs_python.pptx
@@ -220,7 +220,7 @@
           <a:p>
             <a:fld id="{4D7E51A5-B478-1E40-8CBB-0DAA8831E99D}" type="datetimeFigureOut">
               <a:rPr lang="en-US" smtClean="0"/>
-              <a:t>7/22/21</a:t>
+              <a:t>12/1/21</a:t>
             </a:fld>
             <a:endParaRPr lang="en-US"/>
           </a:p>
@@ -385,7 +385,7 @@
           <a:p>
             <a:fld id="{D0ED587F-861E-6740-9643-E3DDAE89B8D6}" type="datetimeFigureOut">
               <a:rPr lang="en-US" smtClean="0"/>
-              <a:t>7/22/21</a:t>
+              <a:t>12/1/21</a:t>
             </a:fld>
             <a:endParaRPr lang="en-US"/>
           </a:p>
@@ -7522,7 +7522,7 @@
                 <a:latin typeface="Consolas" panose="020B0609020204030204" pitchFamily="49" charset="0"/>
                 <a:cs typeface="Consolas" panose="020B0609020204030204" pitchFamily="49" charset="0"/>
               </a:rPr>
-              <a:t>)</a:t>
+              <a:t>);</a:t>
             </a:r>
             <a:br>
               <a:rPr lang="en-US" sz="1600" dirty="0">
@@ -7562,59 +7562,52 @@
               <a:t>public static void </a:t>
             </a:r>
             <a:r>
+              <a:rPr lang="en-US" sz="1600" dirty="0">
+                <a:latin typeface="Consolas" panose="020B0609020204030204" pitchFamily="49" charset="0"/>
+                <a:cs typeface="Consolas" panose="020B0609020204030204" pitchFamily="49" charset="0"/>
+              </a:rPr>
+              <a:t>myCoolMethod2() { </a:t>
+            </a:r>
+          </a:p>
+          <a:p>
+            <a:r>
+              <a:rPr lang="en-US" sz="1600" dirty="0">
+                <a:latin typeface="Consolas" panose="020B0609020204030204" pitchFamily="49" charset="0"/>
+                <a:cs typeface="Consolas" panose="020B0609020204030204" pitchFamily="49" charset="0"/>
+              </a:rPr>
+              <a:t>		</a:t>
+            </a:r>
+            <a:r>
               <a:rPr lang="en-US" sz="1600" dirty="0" err="1">
                 <a:latin typeface="Consolas" panose="020B0609020204030204" pitchFamily="49" charset="0"/>
                 <a:cs typeface="Consolas" panose="020B0609020204030204" pitchFamily="49" charset="0"/>
               </a:rPr>
-              <a:t>myCoolMethod</a:t>
+              <a:t>System.out.println</a:t>
             </a:r>
             <a:r>
               <a:rPr lang="en-US" sz="1600" dirty="0">
                 <a:latin typeface="Consolas" panose="020B0609020204030204" pitchFamily="49" charset="0"/>
                 <a:cs typeface="Consolas" panose="020B0609020204030204" pitchFamily="49" charset="0"/>
               </a:rPr>
-              <a:t>() { </a:t>
-            </a:r>
-          </a:p>
-          <a:p>
+              <a:t>(</a:t>
+            </a:r>
             <a:r>
               <a:rPr lang="en-US" sz="1600" dirty="0">
-                <a:latin typeface="Consolas" panose="020B0609020204030204" pitchFamily="49" charset="0"/>
-                <a:cs typeface="Consolas" panose="020B0609020204030204" pitchFamily="49" charset="0"/>
-              </a:rPr>
-              <a:t>		</a:t>
-            </a:r>
-            <a:r>
-              <a:rPr lang="en-US" sz="1600" dirty="0" err="1">
-                <a:latin typeface="Consolas" panose="020B0609020204030204" pitchFamily="49" charset="0"/>
-                <a:cs typeface="Consolas" panose="020B0609020204030204" pitchFamily="49" charset="0"/>
-              </a:rPr>
-              <a:t>System.out.println</a:t>
+                <a:solidFill>
+                  <a:srgbClr val="6A8759"/>
+                </a:solidFill>
+                <a:effectLst/>
+                <a:latin typeface="Consolas" panose="020B0609020204030204" pitchFamily="49" charset="0"/>
+                <a:cs typeface="Consolas" panose="020B0609020204030204" pitchFamily="49" charset="0"/>
+              </a:rPr>
+              <a:t>"Done2"</a:t>
             </a:r>
             <a:r>
               <a:rPr lang="en-US" sz="1600" dirty="0">
                 <a:latin typeface="Consolas" panose="020B0609020204030204" pitchFamily="49" charset="0"/>
                 <a:cs typeface="Consolas" panose="020B0609020204030204" pitchFamily="49" charset="0"/>
               </a:rPr>
-              <a:t>(</a:t>
-            </a:r>
-            <a:r>
-              <a:rPr lang="en-US" sz="1600" dirty="0">
-                <a:solidFill>
-                  <a:srgbClr val="6A8759"/>
-                </a:solidFill>
-                <a:effectLst/>
-                <a:latin typeface="Consolas" panose="020B0609020204030204" pitchFamily="49" charset="0"/>
-                <a:cs typeface="Consolas" panose="020B0609020204030204" pitchFamily="49" charset="0"/>
-              </a:rPr>
-              <a:t>"Done2"</a:t>
-            </a:r>
-            <a:r>
-              <a:rPr lang="en-US" sz="1600" dirty="0">
-                <a:latin typeface="Consolas" panose="020B0609020204030204" pitchFamily="49" charset="0"/>
-                <a:cs typeface="Consolas" panose="020B0609020204030204" pitchFamily="49" charset="0"/>
-              </a:rPr>
-              <a:t>)</a:t>
+              <a:t>);</a:t>
             </a:r>
           </a:p>
           <a:p>
@@ -7755,7 +7748,7 @@
                 <a:latin typeface="Consolas" panose="020B0609020204030204" pitchFamily="49" charset="0"/>
                 <a:cs typeface="Consolas" panose="020B0609020204030204" pitchFamily="49" charset="0"/>
               </a:rPr>
-              <a:t>()</a:t>
+              <a:t>();</a:t>
             </a:r>
             <a:br>
               <a:rPr lang="en-US" sz="1600" dirty="0">
@@ -7768,7 +7761,7 @@
                 <a:latin typeface="Consolas" panose="020B0609020204030204" pitchFamily="49" charset="0"/>
                 <a:cs typeface="Consolas" panose="020B0609020204030204" pitchFamily="49" charset="0"/>
               </a:rPr>
-              <a:t>        myCoolMethod2()</a:t>
+              <a:t>        myCoolMethod2();</a:t>
             </a:r>
             <a:br>
               <a:rPr lang="en-US" sz="1600" dirty="0">
@@ -8074,9 +8067,17 @@
                 <a:solidFill>
                   <a:srgbClr val="CC7832"/>
                 </a:solidFill>
+              </a:rPr>
+              <a:t>double</a:t>
+            </a:r>
+            <a:r>
+              <a:rPr lang="en-US" dirty="0">
+                <a:solidFill>
+                  <a:srgbClr val="CC7832"/>
+                </a:solidFill>
                 <a:effectLst/>
               </a:rPr>
-              <a:t>float </a:t>
+              <a:t> </a:t>
             </a:r>
             <a:r>
               <a:rPr lang="en-US" dirty="0"/>
